--- a/SDF-Software Ducument Folder/ActiveC presentation.pptx
+++ b/SDF-Software Ducument Folder/ActiveC presentation.pptx
@@ -20619,6 +20619,52 @@
       </p:grpSpPr>
       <p:sp>
         <p:nvSpPr>
+          <p:cNvPr id="2" name="מלבן 1"/>
+          <p:cNvSpPr/>
+          <p:nvPr/>
+        </p:nvSpPr>
+        <p:spPr>
+          <a:xfrm>
+            <a:off x="8222400" y="5205600"/>
+            <a:ext cx="324000" cy="1000800"/>
+          </a:xfrm>
+          <a:prstGeom prst="rect">
+            <a:avLst/>
+          </a:prstGeom>
+          <a:solidFill>
+            <a:srgbClr val="F5F5F5"/>
+          </a:solidFill>
+          <a:ln>
+            <a:noFill/>
+          </a:ln>
+        </p:spPr>
+        <p:style>
+          <a:lnRef idx="2">
+            <a:schemeClr val="accent1">
+              <a:shade val="50000"/>
+            </a:schemeClr>
+          </a:lnRef>
+          <a:fillRef idx="1">
+            <a:schemeClr val="accent1"/>
+          </a:fillRef>
+          <a:effectRef idx="0">
+            <a:schemeClr val="accent1"/>
+          </a:effectRef>
+          <a:fontRef idx="minor">
+            <a:schemeClr val="lt1"/>
+          </a:fontRef>
+        </p:style>
+        <p:txBody>
+          <a:bodyPr rtlCol="1" anchor="ctr"/>
+          <a:lstStyle/>
+          <a:p>
+            <a:pPr algn="ctr"/>
+            <a:endParaRPr lang="he-IL"/>
+          </a:p>
+        </p:txBody>
+      </p:sp>
+      <p:sp>
+        <p:nvSpPr>
           <p:cNvPr id="3" name="כותרת משנה 2"/>
           <p:cNvSpPr>
             <a:spLocks noGrp="1"/>
@@ -20629,8 +20675,8 @@
         </p:nvSpPr>
         <p:spPr>
           <a:xfrm>
-            <a:off x="1162050" y="4602892"/>
-            <a:ext cx="10299700" cy="2255108"/>
+            <a:off x="547200" y="4578446"/>
+            <a:ext cx="11137750" cy="2255108"/>
           </a:xfrm>
         </p:spPr>
         <p:txBody>
@@ -20647,7 +20693,34 @@
                 </a:solidFill>
                 <a:latin typeface="AR CENA" panose="02000000000000000000" pitchFamily="2" charset="0"/>
               </a:rPr>
-              <a:t>Human Resources The Right Way!!</a:t>
+              <a:t>Human </a:t>
+            </a:r>
+            <a:r>
+              <a:rPr lang="en-US" sz="6600" dirty="0" smtClean="0">
+                <a:solidFill>
+                  <a:schemeClr val="tx1"/>
+                </a:solidFill>
+                <a:latin typeface="AR CENA" panose="02000000000000000000" pitchFamily="2" charset="0"/>
+              </a:rPr>
+              <a:t>Resources. </a:t>
+            </a:r>
+            <a:r>
+              <a:rPr lang="en-US" sz="6600" dirty="0" smtClean="0">
+                <a:solidFill>
+                  <a:schemeClr val="tx1"/>
+                </a:solidFill>
+                <a:latin typeface="AR CENA" panose="02000000000000000000" pitchFamily="2" charset="0"/>
+              </a:rPr>
+              <a:t>The Right </a:t>
+            </a:r>
+            <a:r>
+              <a:rPr lang="en-US" sz="6600" dirty="0" smtClean="0">
+                <a:solidFill>
+                  <a:schemeClr val="tx1"/>
+                </a:solidFill>
+                <a:latin typeface="AR CENA" panose="02000000000000000000" pitchFamily="2" charset="0"/>
+              </a:rPr>
+              <a:t>Way</a:t>
             </a:r>
             <a:endParaRPr lang="he-IL" sz="6600" dirty="0">
               <a:solidFill>
@@ -20735,7 +20808,12 @@
             <p:ph type="title"/>
           </p:nvPr>
         </p:nvSpPr>
-        <p:spPr/>
+        <p:spPr>
+          <a:xfrm>
+            <a:off x="1566828" y="570816"/>
+            <a:ext cx="9720072" cy="1499616"/>
+          </a:xfrm>
+        </p:spPr>
         <p:txBody>
           <a:bodyPr/>
           <a:lstStyle/>
@@ -20772,7 +20850,7 @@
         <p:spPr>
           <a:xfrm>
             <a:off x="1024128" y="1987550"/>
-            <a:ext cx="9720073" cy="4321810"/>
+            <a:ext cx="10805472" cy="3952450"/>
           </a:xfrm>
         </p:spPr>
         <p:txBody>
@@ -20781,62 +20859,54 @@
           </a:bodyPr>
           <a:lstStyle/>
           <a:p>
-            <a:pPr algn="ctr"/>
+            <a:pPr algn="ctr" rtl="0"/>
             <a:r>
-              <a:rPr lang="en-US" sz="4800" dirty="0" smtClean="0">
+              <a:rPr lang="en-US" sz="4000" dirty="0" smtClean="0">
                 <a:latin typeface="AR CENA" panose="02000000000000000000" pitchFamily="2" charset="0"/>
               </a:rPr>
-              <a:t>We </a:t>
+              <a:t>We are all </a:t>
             </a:r>
             <a:r>
-              <a:rPr lang="en-US" sz="4800" dirty="0" smtClean="0">
-                <a:latin typeface="AR CENA" panose="02000000000000000000" pitchFamily="2" charset="0"/>
-              </a:rPr>
-              <a:t>are all </a:t>
-            </a:r>
-            <a:r>
-              <a:rPr lang="en-US" sz="4800" dirty="0">
+              <a:rPr lang="en-US" sz="4000" dirty="0">
                 <a:latin typeface="AR CENA" panose="02000000000000000000" pitchFamily="2" charset="0"/>
               </a:rPr>
               <a:t>third-year students </a:t>
             </a:r>
             <a:r>
-              <a:rPr lang="en-US" sz="4800" dirty="0" smtClean="0">
+              <a:rPr lang="en-US" sz="4000" dirty="0" smtClean="0">
                 <a:latin typeface="AR CENA" panose="02000000000000000000" pitchFamily="2" charset="0"/>
               </a:rPr>
-              <a:t>programmers for</a:t>
+              <a:t>programmers </a:t>
             </a:r>
+            <a:r>
+              <a:rPr lang="en-US" sz="4000" dirty="0">
+                <a:latin typeface="AR CENA" panose="02000000000000000000" pitchFamily="2" charset="0"/>
+              </a:rPr>
+              <a:t>for Software Engineering in </a:t>
+            </a:r>
+            <a:r>
+              <a:rPr lang="en-US" sz="4000" dirty="0" smtClean="0">
+                <a:latin typeface="AR CENA" panose="02000000000000000000" pitchFamily="2" charset="0"/>
+              </a:rPr>
+              <a:t>JCE.</a:t>
+            </a:r>
+            <a:endParaRPr lang="en-US" sz="4000" dirty="0">
+              <a:latin typeface="AR CENA" panose="02000000000000000000" pitchFamily="2" charset="0"/>
+            </a:endParaRPr>
           </a:p>
           <a:p>
-            <a:pPr algn="ctr"/>
-            <a:r>
-              <a:rPr lang="en-US" sz="4800" dirty="0" smtClean="0">
-                <a:latin typeface="AR CENA" panose="02000000000000000000" pitchFamily="2" charset="0"/>
-              </a:rPr>
-              <a:t>Software </a:t>
-            </a:r>
-            <a:r>
-              <a:rPr lang="en-US" sz="4800" dirty="0">
-                <a:latin typeface="AR CENA" panose="02000000000000000000" pitchFamily="2" charset="0"/>
-              </a:rPr>
-              <a:t>Engineering </a:t>
-            </a:r>
-            <a:r>
-              <a:rPr lang="en-US" sz="4800" dirty="0" smtClean="0">
-                <a:latin typeface="AR CENA" panose="02000000000000000000" pitchFamily="2" charset="0"/>
-              </a:rPr>
-              <a:t>in JCE</a:t>
-            </a:r>
-            <a:r>
-              <a:rPr lang="en-US" sz="4800" dirty="0" smtClean="0">
-                <a:latin typeface="AR CENA" panose="02000000000000000000" pitchFamily="2" charset="0"/>
-              </a:rPr>
-              <a:t>.</a:t>
-            </a:r>
+            <a:pPr marL="0" indent="0" algn="ctr">
+              <a:buNone/>
+            </a:pPr>
+            <a:endParaRPr lang="en-US" sz="5500" dirty="0">
+              <a:latin typeface="AR CENA" panose="02000000000000000000" pitchFamily="2" charset="0"/>
+            </a:endParaRPr>
           </a:p>
           <a:p>
-            <a:pPr algn="ctr"/>
-            <a:endParaRPr lang="en-US" sz="4800" dirty="0" smtClean="0">
+            <a:pPr marL="0" indent="0" algn="ctr">
+              <a:buNone/>
+            </a:pPr>
+            <a:endParaRPr lang="en-US" sz="1600" dirty="0" smtClean="0">
               <a:latin typeface="AR CENA" panose="02000000000000000000" pitchFamily="2" charset="0"/>
             </a:endParaRPr>
           </a:p>
@@ -20872,6 +20942,16 @@
         </p:nvPicPr>
         <p:blipFill>
           <a:blip r:embed="rId2">
+            <a:clrChange>
+              <a:clrFrom>
+                <a:srgbClr val="FFFFFF"/>
+              </a:clrFrom>
+              <a:clrTo>
+                <a:srgbClr val="FFFFFF">
+                  <a:alpha val="0"/>
+                </a:srgbClr>
+              </a:clrTo>
+            </a:clrChange>
             <a:extLst>
               <a:ext uri="{28A0092B-C50C-407E-A947-70E740481C1C}">
                 <a14:useLocalDpi xmlns:a14="http://schemas.microsoft.com/office/drawing/2010/main" val="0"/>
@@ -20884,12 +20964,177 @@
         </p:blipFill>
         <p:spPr>
           <a:xfrm>
-            <a:off x="9323541" y="4864075"/>
+            <a:off x="5073247" y="5202475"/>
             <a:ext cx="2707233" cy="1724685"/>
           </a:xfrm>
           <a:prstGeom prst="rect">
             <a:avLst/>
           </a:prstGeom>
+        </p:spPr>
+      </p:pic>
+      <p:pic>
+        <p:nvPicPr>
+          <p:cNvPr id="4" name="תמונה 3"/>
+          <p:cNvPicPr>
+            <a:picLocks noChangeAspect="1"/>
+          </p:cNvPicPr>
+          <p:nvPr/>
+        </p:nvPicPr>
+        <p:blipFill>
+          <a:blip r:embed="rId3" cstate="print">
+            <a:extLst>
+              <a:ext uri="{28A0092B-C50C-407E-A947-70E740481C1C}">
+                <a14:useLocalDpi xmlns:a14="http://schemas.microsoft.com/office/drawing/2010/main" val="0"/>
+              </a:ext>
+            </a:extLst>
+          </a:blip>
+          <a:stretch>
+            <a:fillRect/>
+          </a:stretch>
+        </p:blipFill>
+        <p:spPr>
+          <a:xfrm>
+            <a:off x="7285393" y="3020077"/>
+            <a:ext cx="1642311" cy="1642311"/>
+          </a:xfrm>
+          <a:prstGeom prst="rect">
+            <a:avLst/>
+          </a:prstGeom>
+          <a:effectLst>
+            <a:softEdge rad="63500"/>
+          </a:effectLst>
+        </p:spPr>
+      </p:pic>
+      <p:pic>
+        <p:nvPicPr>
+          <p:cNvPr id="6" name="תמונה 5"/>
+          <p:cNvPicPr>
+            <a:picLocks noChangeAspect="1"/>
+          </p:cNvPicPr>
+          <p:nvPr/>
+        </p:nvPicPr>
+        <p:blipFill>
+          <a:blip r:embed="rId4">
+            <a:extLst>
+              <a:ext uri="{28A0092B-C50C-407E-A947-70E740481C1C}">
+                <a14:useLocalDpi xmlns:a14="http://schemas.microsoft.com/office/drawing/2010/main" val="0"/>
+              </a:ext>
+            </a:extLst>
+          </a:blip>
+          <a:stretch>
+            <a:fillRect/>
+          </a:stretch>
+        </p:blipFill>
+        <p:spPr>
+          <a:xfrm>
+            <a:off x="3554037" y="3066275"/>
+            <a:ext cx="1555706" cy="1549141"/>
+          </a:xfrm>
+          <a:prstGeom prst="rect">
+            <a:avLst/>
+          </a:prstGeom>
+          <a:effectLst>
+            <a:softEdge rad="63500"/>
+          </a:effectLst>
+        </p:spPr>
+      </p:pic>
+      <p:pic>
+        <p:nvPicPr>
+          <p:cNvPr id="9" name="תמונה 8"/>
+          <p:cNvPicPr>
+            <a:picLocks noChangeAspect="1"/>
+          </p:cNvPicPr>
+          <p:nvPr/>
+        </p:nvPicPr>
+        <p:blipFill>
+          <a:blip r:embed="rId5" cstate="print">
+            <a:extLst>
+              <a:ext uri="{28A0092B-C50C-407E-A947-70E740481C1C}">
+                <a14:useLocalDpi xmlns:a14="http://schemas.microsoft.com/office/drawing/2010/main" val="0"/>
+              </a:ext>
+            </a:extLst>
+          </a:blip>
+          <a:stretch>
+            <a:fillRect/>
+          </a:stretch>
+        </p:blipFill>
+        <p:spPr>
+          <a:xfrm>
+            <a:off x="5394921" y="3094352"/>
+            <a:ext cx="1605294" cy="1605294"/>
+          </a:xfrm>
+          <a:prstGeom prst="rect">
+            <a:avLst/>
+          </a:prstGeom>
+          <a:effectLst>
+            <a:softEdge rad="63500"/>
+          </a:effectLst>
+        </p:spPr>
+      </p:pic>
+      <p:pic>
+        <p:nvPicPr>
+          <p:cNvPr id="10" name="תמונה 9"/>
+          <p:cNvPicPr>
+            <a:picLocks noChangeAspect="1"/>
+          </p:cNvPicPr>
+          <p:nvPr/>
+        </p:nvPicPr>
+        <p:blipFill>
+          <a:blip r:embed="rId6" cstate="print">
+            <a:extLst>
+              <a:ext uri="{28A0092B-C50C-407E-A947-70E740481C1C}">
+                <a14:useLocalDpi xmlns:a14="http://schemas.microsoft.com/office/drawing/2010/main" val="0"/>
+              </a:ext>
+            </a:extLst>
+          </a:blip>
+          <a:stretch>
+            <a:fillRect/>
+          </a:stretch>
+        </p:blipFill>
+        <p:spPr>
+          <a:xfrm>
+            <a:off x="1747915" y="3020077"/>
+            <a:ext cx="1520944" cy="1697690"/>
+          </a:xfrm>
+          <a:prstGeom prst="rect">
+            <a:avLst/>
+          </a:prstGeom>
+          <a:effectLst>
+            <a:softEdge rad="63500"/>
+          </a:effectLst>
+        </p:spPr>
+      </p:pic>
+      <p:pic>
+        <p:nvPicPr>
+          <p:cNvPr id="11" name="תמונה 10"/>
+          <p:cNvPicPr>
+            <a:picLocks noChangeAspect="1"/>
+          </p:cNvPicPr>
+          <p:nvPr/>
+        </p:nvPicPr>
+        <p:blipFill>
+          <a:blip r:embed="rId7" cstate="print">
+            <a:extLst>
+              <a:ext uri="{28A0092B-C50C-407E-A947-70E740481C1C}">
+                <a14:useLocalDpi xmlns:a14="http://schemas.microsoft.com/office/drawing/2010/main" val="0"/>
+              </a:ext>
+            </a:extLst>
+          </a:blip>
+          <a:stretch>
+            <a:fillRect/>
+          </a:stretch>
+        </p:blipFill>
+        <p:spPr>
+          <a:xfrm>
+            <a:off x="9212882" y="3094352"/>
+            <a:ext cx="1811755" cy="1549141"/>
+          </a:xfrm>
+          <a:prstGeom prst="rect">
+            <a:avLst/>
+          </a:prstGeom>
+          <a:effectLst>
+            <a:softEdge rad="63500"/>
+          </a:effectLst>
         </p:spPr>
       </p:pic>
     </p:spTree>
@@ -20996,11 +21241,17 @@
         </p:spPr>
         <p:txBody>
           <a:bodyPr>
-            <a:normAutofit fontScale="77500" lnSpcReduction="20000"/>
+            <a:normAutofit fontScale="70000" lnSpcReduction="20000"/>
           </a:bodyPr>
           <a:lstStyle/>
           <a:p>
             <a:pPr algn="ctr"/>
+            <a:r>
+              <a:rPr lang="en-US" sz="5700" dirty="0" smtClean="0">
+                <a:latin typeface="AR CENA" panose="02000000000000000000" pitchFamily="2" charset="0"/>
+              </a:rPr>
+              <a:t>“</a:t>
+            </a:r>
             <a:r>
               <a:rPr lang="en-US" sz="5700" dirty="0" err="1" smtClean="0">
                 <a:latin typeface="AR CENA" panose="02000000000000000000" pitchFamily="2" charset="0"/>
@@ -21011,19 +21262,13 @@
               <a:rPr lang="en-US" sz="5700" dirty="0" smtClean="0">
                 <a:latin typeface="AR CENA" panose="02000000000000000000" pitchFamily="2" charset="0"/>
               </a:rPr>
-              <a:t> </a:t>
+              <a:t>” </a:t>
             </a:r>
             <a:r>
               <a:rPr lang="en-US" sz="5700" dirty="0" smtClean="0">
                 <a:latin typeface="AR CENA" panose="02000000000000000000" pitchFamily="2" charset="0"/>
               </a:rPr>
-              <a:t>wanted </a:t>
-            </a:r>
-            <a:r>
-              <a:rPr lang="en-US" sz="5700" dirty="0" smtClean="0">
-                <a:latin typeface="AR CENA" panose="02000000000000000000" pitchFamily="2" charset="0"/>
-              </a:rPr>
-              <a:t>to change the concept of human resources in Jerusalem, we did it together!</a:t>
+              <a:t>wanted to change the concept of human resources in Jerusalem, we did it together!</a:t>
             </a:r>
           </a:p>
           <a:p>
@@ -21038,8 +21283,29 @@
               <a:rPr lang="en-US" sz="5700" dirty="0" smtClean="0">
                 <a:latin typeface="AR CENA" panose="02000000000000000000" pitchFamily="2" charset="0"/>
               </a:rPr>
-              <a:t>We worked on the company side, building an interface to allow them to view and choose from a repository of awesome students </a:t>
+              <a:t>We </a:t>
             </a:r>
+            <a:r>
+              <a:rPr lang="en-US" sz="5700" dirty="0" smtClean="0">
+                <a:latin typeface="AR CENA" panose="02000000000000000000" pitchFamily="2" charset="0"/>
+              </a:rPr>
+              <a:t>worked on the company side, building an interface to allow them to view and choose from a repository of </a:t>
+            </a:r>
+            <a:r>
+              <a:rPr lang="en-US" sz="5700" dirty="0" smtClean="0">
+                <a:latin typeface="AR CENA" panose="02000000000000000000" pitchFamily="2" charset="0"/>
+              </a:rPr>
+              <a:t>greats </a:t>
+            </a:r>
+            <a:r>
+              <a:rPr lang="en-US" sz="5700" dirty="0" smtClean="0">
+                <a:latin typeface="AR CENA" panose="02000000000000000000" pitchFamily="2" charset="0"/>
+              </a:rPr>
+              <a:t>students.</a:t>
+            </a:r>
+            <a:endParaRPr lang="en-US" sz="5700" dirty="0" smtClean="0">
+              <a:latin typeface="AR CENA" panose="02000000000000000000" pitchFamily="2" charset="0"/>
+            </a:endParaRPr>
           </a:p>
           <a:p>
             <a:pPr algn="ctr"/>
@@ -21122,7 +21388,7 @@
         </p:nvSpPr>
         <p:spPr>
           <a:xfrm>
-            <a:off x="808228" y="299466"/>
+            <a:off x="1487849" y="234666"/>
             <a:ext cx="9618472" cy="1326134"/>
           </a:xfrm>
         </p:spPr>
@@ -21210,7 +21476,7 @@
           </a:blip>
           <a:srcRect/>
           <a:stretch>
-            <a:fillRect l="-1000" r="-1000"/>
+            <a:fillRect l="-26000" r="-26000"/>
           </a:stretch>
         </a:blipFill>
         <a:effectLst/>
@@ -21258,25 +21524,7 @@
                 </a:solidFill>
                 <a:latin typeface="AR CENA" panose="02000000000000000000" pitchFamily="2" charset="0"/>
               </a:rPr>
-              <a:t>And </a:t>
-            </a:r>
-            <a:r>
-              <a:rPr lang="en-US" dirty="0" err="1" smtClean="0">
-                <a:solidFill>
-                  <a:srgbClr val="263AA0"/>
-                </a:solidFill>
-                <a:latin typeface="AR CENA" panose="02000000000000000000" pitchFamily="2" charset="0"/>
-              </a:rPr>
-              <a:t>nowww</a:t>
-            </a:r>
-            <a:r>
-              <a:rPr lang="en-US" dirty="0" smtClean="0">
-                <a:solidFill>
-                  <a:srgbClr val="263AA0"/>
-                </a:solidFill>
-                <a:latin typeface="AR CENA" panose="02000000000000000000" pitchFamily="2" charset="0"/>
-              </a:rPr>
-              <a:t>….</a:t>
+              <a:t>OUR FINAL DESIGN</a:t>
             </a:r>
             <a:endParaRPr lang="he-IL" dirty="0">
               <a:solidFill>
@@ -21383,6 +21631,7 @@
           <a:bodyPr/>
           <a:lstStyle/>
           <a:p>
+            <a:pPr algn="l"/>
             <a:r>
               <a:rPr lang="en-US" dirty="0" smtClean="0">
                 <a:solidFill>
@@ -21390,7 +21639,25 @@
                 </a:solidFill>
                 <a:latin typeface="AR CENA" panose="02000000000000000000" pitchFamily="2" charset="0"/>
               </a:rPr>
-              <a:t>And finally thank to the masters</a:t>
+              <a:t>thanks </a:t>
+            </a:r>
+            <a:r>
+              <a:rPr lang="en-US" dirty="0" smtClean="0">
+                <a:solidFill>
+                  <a:srgbClr val="263AA0"/>
+                </a:solidFill>
+                <a:latin typeface="AR CENA" panose="02000000000000000000" pitchFamily="2" charset="0"/>
+              </a:rPr>
+              <a:t>to the </a:t>
+            </a:r>
+            <a:r>
+              <a:rPr lang="en-US" dirty="0" smtClean="0">
+                <a:solidFill>
+                  <a:srgbClr val="263AA0"/>
+                </a:solidFill>
+                <a:latin typeface="AR CENA" panose="02000000000000000000" pitchFamily="2" charset="0"/>
+              </a:rPr>
+              <a:t>masters!</a:t>
             </a:r>
             <a:endParaRPr lang="he-IL" dirty="0">
               <a:solidFill>
@@ -21423,7 +21690,10 @@
           </a:bodyPr>
           <a:lstStyle/>
           <a:p>
-            <a:pPr algn="l"/>
+            <a:pPr algn="l" rtl="0">
+              <a:buFont typeface="Wingdings" panose="05000000000000000000" pitchFamily="2" charset="2"/>
+              <a:buChar char="ü"/>
+            </a:pPr>
             <a:r>
               <a:rPr lang="en-US" sz="3200" dirty="0" smtClean="0">
                 <a:latin typeface="AR CENA" panose="02000000000000000000" pitchFamily="2" charset="0"/>
@@ -21454,26 +21724,20 @@
               </a:rPr>
               <a:t>.</a:t>
             </a:r>
-            <a:endParaRPr lang="en-US" sz="3200" dirty="0" smtClean="0">
-              <a:latin typeface="AR CENA" panose="02000000000000000000" pitchFamily="2" charset="0"/>
-            </a:endParaRPr>
           </a:p>
           <a:p>
-            <a:pPr algn="l"/>
+            <a:pPr algn="l" rtl="0">
+              <a:buFont typeface="Wingdings" panose="05000000000000000000" pitchFamily="2" charset="2"/>
+              <a:buChar char="ü"/>
+            </a:pPr>
             <a:r>
-              <a:rPr lang="en-US" sz="3200" dirty="0" smtClean="0">
+              <a:rPr lang="en-US" sz="3200" dirty="0">
                 <a:latin typeface="AR CENA" panose="02000000000000000000" pitchFamily="2" charset="0"/>
               </a:rPr>
-              <a:t>To </a:t>
+              <a:t>To the course staff : DR. Reuven </a:t>
             </a:r>
             <a:r>
-              <a:rPr lang="en-US" sz="3200" dirty="0" smtClean="0">
-                <a:latin typeface="AR CENA" panose="02000000000000000000" pitchFamily="2" charset="0"/>
-              </a:rPr>
-              <a:t>the course staff : DR. Reuven </a:t>
-            </a:r>
-            <a:r>
-              <a:rPr lang="en-US" sz="3200" dirty="0" err="1" smtClean="0">
+              <a:rPr lang="en-US" sz="3200" dirty="0" err="1">
                 <a:latin typeface="AR CENA" panose="02000000000000000000" pitchFamily="2" charset="0"/>
               </a:rPr>
               <a:t>Yagel</a:t>
@@ -21482,101 +21746,77 @@
               <a:rPr lang="en-US" sz="3200" dirty="0">
                 <a:latin typeface="AR CENA" panose="02000000000000000000" pitchFamily="2" charset="0"/>
               </a:rPr>
-              <a:t>,</a:t>
+              <a:t>, </a:t>
             </a:r>
             <a:r>
-              <a:rPr lang="en-US" sz="3200" dirty="0" smtClean="0">
+              <a:rPr lang="en-US" sz="3200" dirty="0" err="1">
+                <a:latin typeface="AR CENA" panose="02000000000000000000" pitchFamily="2" charset="0"/>
+              </a:rPr>
+              <a:t>Itamar</a:t>
+            </a:r>
+            <a:r>
+              <a:rPr lang="en-US" sz="3200" dirty="0">
                 <a:latin typeface="AR CENA" panose="02000000000000000000" pitchFamily="2" charset="0"/>
               </a:rPr>
               <a:t> </a:t>
             </a:r>
             <a:r>
-              <a:rPr lang="en-US" sz="3200" dirty="0" err="1" smtClean="0">
+              <a:rPr lang="en-US" sz="3200" dirty="0" err="1">
                 <a:latin typeface="AR CENA" panose="02000000000000000000" pitchFamily="2" charset="0"/>
               </a:rPr>
-              <a:t>Itamar</a:t>
+              <a:t>Sharifi</a:t>
             </a:r>
             <a:r>
-              <a:rPr lang="en-US" sz="3200" dirty="0" smtClean="0">
+              <a:rPr lang="en-US" sz="3200" dirty="0">
+                <a:latin typeface="AR CENA" panose="02000000000000000000" pitchFamily="2" charset="0"/>
+              </a:rPr>
+              <a:t> and </a:t>
+            </a:r>
+            <a:r>
+              <a:rPr lang="en-US" sz="3200" dirty="0" err="1">
+                <a:latin typeface="AR CENA" panose="02000000000000000000" pitchFamily="2" charset="0"/>
+              </a:rPr>
+              <a:t>Ziv</a:t>
+            </a:r>
+            <a:r>
+              <a:rPr lang="en-US" sz="3200" dirty="0">
                 <a:latin typeface="AR CENA" panose="02000000000000000000" pitchFamily="2" charset="0"/>
               </a:rPr>
               <a:t> </a:t>
             </a:r>
             <a:r>
-              <a:rPr lang="en-US" sz="3200" dirty="0" err="1" smtClean="0">
+              <a:rPr lang="en-US" sz="3200" dirty="0" err="1">
                 <a:latin typeface="AR CENA" panose="02000000000000000000" pitchFamily="2" charset="0"/>
               </a:rPr>
-              <a:t>Sharifi</a:t>
+              <a:t>Moraly</a:t>
             </a:r>
+            <a:endParaRPr lang="en-US" sz="3200" dirty="0">
+              <a:latin typeface="AR CENA" panose="02000000000000000000" pitchFamily="2" charset="0"/>
+            </a:endParaRPr>
+          </a:p>
+          <a:p>
+            <a:pPr algn="l" rtl="0">
+              <a:buFont typeface="Wingdings" panose="05000000000000000000" pitchFamily="2" charset="2"/>
+              <a:buChar char="ü"/>
+            </a:pPr>
             <a:r>
               <a:rPr lang="en-US" sz="3200" dirty="0" smtClean="0">
                 <a:latin typeface="AR CENA" panose="02000000000000000000" pitchFamily="2" charset="0"/>
               </a:rPr>
-              <a:t> and </a:t>
+              <a:t>To the other groups </a:t>
             </a:r>
-            <a:r>
-              <a:rPr lang="en-US" sz="3200" dirty="0" err="1" smtClean="0">
-                <a:latin typeface="AR CENA" panose="02000000000000000000" pitchFamily="2" charset="0"/>
-              </a:rPr>
-              <a:t>Ziv</a:t>
-            </a:r>
+          </a:p>
+          <a:p>
+            <a:pPr algn="l" rtl="0">
+              <a:buFont typeface="Wingdings" panose="05000000000000000000" pitchFamily="2" charset="2"/>
+              <a:buChar char="ü"/>
+            </a:pPr>
             <a:r>
               <a:rPr lang="en-US" sz="3200" dirty="0" smtClean="0">
                 <a:latin typeface="AR CENA" panose="02000000000000000000" pitchFamily="2" charset="0"/>
               </a:rPr>
-              <a:t> </a:t>
+              <a:t>To our GREAT TEAM.</a:t>
             </a:r>
-            <a:r>
-              <a:rPr lang="en-US" sz="3200" dirty="0" err="1" smtClean="0">
-                <a:latin typeface="AR CENA" panose="02000000000000000000" pitchFamily="2" charset="0"/>
-              </a:rPr>
-              <a:t>Moraly</a:t>
-            </a:r>
-            <a:endParaRPr lang="en-US" sz="3200" dirty="0" smtClean="0">
-              <a:latin typeface="AR CENA" panose="02000000000000000000" pitchFamily="2" charset="0"/>
-            </a:endParaRPr>
-          </a:p>
-          <a:p>
-            <a:pPr algn="l"/>
-            <a:r>
-              <a:rPr lang="en-US" sz="3200" dirty="0" smtClean="0">
-                <a:latin typeface="AR CENA" panose="02000000000000000000" pitchFamily="2" charset="0"/>
-              </a:rPr>
-              <a:t>To </a:t>
-            </a:r>
-            <a:r>
-              <a:rPr lang="en-US" sz="3200" dirty="0" smtClean="0">
-                <a:latin typeface="AR CENA" panose="02000000000000000000" pitchFamily="2" charset="0"/>
-              </a:rPr>
-              <a:t>the other </a:t>
-            </a:r>
-            <a:r>
-              <a:rPr lang="en-US" sz="3200" dirty="0" err="1" smtClean="0">
-                <a:latin typeface="AR CENA" panose="02000000000000000000" pitchFamily="2" charset="0"/>
-              </a:rPr>
-              <a:t>taem</a:t>
-            </a:r>
-            <a:endParaRPr lang="en-US" sz="3200" dirty="0" smtClean="0">
-              <a:latin typeface="AR CENA" panose="02000000000000000000" pitchFamily="2" charset="0"/>
-            </a:endParaRPr>
-          </a:p>
-          <a:p>
-            <a:pPr algn="l"/>
-            <a:r>
-              <a:rPr lang="en-US" sz="3200" dirty="0" smtClean="0">
-                <a:latin typeface="AR CENA" panose="02000000000000000000" pitchFamily="2" charset="0"/>
-              </a:rPr>
-              <a:t>To </a:t>
-            </a:r>
-            <a:r>
-              <a:rPr lang="en-US" sz="3200" dirty="0" smtClean="0">
-                <a:latin typeface="AR CENA" panose="02000000000000000000" pitchFamily="2" charset="0"/>
-              </a:rPr>
-              <a:t>our great T-E-A-M</a:t>
-            </a:r>
-            <a:endParaRPr lang="he-IL" sz="3400" dirty="0" smtClean="0">
-              <a:latin typeface="AR CENA" panose="02000000000000000000" pitchFamily="2" charset="0"/>
-            </a:endParaRPr>
           </a:p>
           <a:p>
             <a:pPr algn="l"/>
